--- a/Assets/Logos/Plocket Logo.pptx
+++ b/Assets/Logos/Plocket Logo.pptx
@@ -6,7 +6,9 @@
   </p:sldMasterIdLst>
   <p:sldIdLst>
     <p:sldId id="256" r:id="rId2"/>
-    <p:sldId id="257" r:id="rId3"/>
+    <p:sldId id="258" r:id="rId3"/>
+    <p:sldId id="259" r:id="rId4"/>
+    <p:sldId id="260" r:id="rId5"/>
   </p:sldIdLst>
   <p:sldSz cx="18000663" cy="18000663"/>
   <p:notesSz cx="6858000" cy="9144000"/>
@@ -105,6 +107,11 @@
       </a:defRPr>
     </a:lvl9pPr>
   </p:defaultTextStyle>
+  <p:extLst>
+    <p:ext uri="{EFAFB233-063F-42B5-8137-9DF3F51BA10A}">
+      <p15:sldGuideLst xmlns:p15="http://schemas.microsoft.com/office/powerpoint/2012/main"/>
+    </p:ext>
+  </p:extLst>
 </p:presentation>
 </file>
 
@@ -239,7 +246,7 @@
           <a:p>
             <a:fld id="{EB583B3D-4A1F-CA40-A4ED-D5AC717F5DE1}" type="datetimeFigureOut">
               <a:rPr lang="en-GB" smtClean="0"/>
-              <a:t>15/02/2023</a:t>
+              <a:t>22/02/2023</a:t>
             </a:fld>
             <a:endParaRPr lang="en-GB"/>
           </a:p>
@@ -409,7 +416,7 @@
           <a:p>
             <a:fld id="{EB583B3D-4A1F-CA40-A4ED-D5AC717F5DE1}" type="datetimeFigureOut">
               <a:rPr lang="en-GB" smtClean="0"/>
-              <a:t>15/02/2023</a:t>
+              <a:t>22/02/2023</a:t>
             </a:fld>
             <a:endParaRPr lang="en-GB"/>
           </a:p>
@@ -589,7 +596,7 @@
           <a:p>
             <a:fld id="{EB583B3D-4A1F-CA40-A4ED-D5AC717F5DE1}" type="datetimeFigureOut">
               <a:rPr lang="en-GB" smtClean="0"/>
-              <a:t>15/02/2023</a:t>
+              <a:t>22/02/2023</a:t>
             </a:fld>
             <a:endParaRPr lang="en-GB"/>
           </a:p>
@@ -759,7 +766,7 @@
           <a:p>
             <a:fld id="{EB583B3D-4A1F-CA40-A4ED-D5AC717F5DE1}" type="datetimeFigureOut">
               <a:rPr lang="en-GB" smtClean="0"/>
-              <a:t>15/02/2023</a:t>
+              <a:t>22/02/2023</a:t>
             </a:fld>
             <a:endParaRPr lang="en-GB"/>
           </a:p>
@@ -1003,7 +1010,7 @@
           <a:p>
             <a:fld id="{EB583B3D-4A1F-CA40-A4ED-D5AC717F5DE1}" type="datetimeFigureOut">
               <a:rPr lang="en-GB" smtClean="0"/>
-              <a:t>15/02/2023</a:t>
+              <a:t>22/02/2023</a:t>
             </a:fld>
             <a:endParaRPr lang="en-GB"/>
           </a:p>
@@ -1235,7 +1242,7 @@
           <a:p>
             <a:fld id="{EB583B3D-4A1F-CA40-A4ED-D5AC717F5DE1}" type="datetimeFigureOut">
               <a:rPr lang="en-GB" smtClean="0"/>
-              <a:t>15/02/2023</a:t>
+              <a:t>22/02/2023</a:t>
             </a:fld>
             <a:endParaRPr lang="en-GB"/>
           </a:p>
@@ -1602,7 +1609,7 @@
           <a:p>
             <a:fld id="{EB583B3D-4A1F-CA40-A4ED-D5AC717F5DE1}" type="datetimeFigureOut">
               <a:rPr lang="en-GB" smtClean="0"/>
-              <a:t>15/02/2023</a:t>
+              <a:t>22/02/2023</a:t>
             </a:fld>
             <a:endParaRPr lang="en-GB"/>
           </a:p>
@@ -1720,7 +1727,7 @@
           <a:p>
             <a:fld id="{EB583B3D-4A1F-CA40-A4ED-D5AC717F5DE1}" type="datetimeFigureOut">
               <a:rPr lang="en-GB" smtClean="0"/>
-              <a:t>15/02/2023</a:t>
+              <a:t>22/02/2023</a:t>
             </a:fld>
             <a:endParaRPr lang="en-GB"/>
           </a:p>
@@ -1815,7 +1822,7 @@
           <a:p>
             <a:fld id="{EB583B3D-4A1F-CA40-A4ED-D5AC717F5DE1}" type="datetimeFigureOut">
               <a:rPr lang="en-GB" smtClean="0"/>
-              <a:t>15/02/2023</a:t>
+              <a:t>22/02/2023</a:t>
             </a:fld>
             <a:endParaRPr lang="en-GB"/>
           </a:p>
@@ -2092,7 +2099,7 @@
           <a:p>
             <a:fld id="{EB583B3D-4A1F-CA40-A4ED-D5AC717F5DE1}" type="datetimeFigureOut">
               <a:rPr lang="en-GB" smtClean="0"/>
-              <a:t>15/02/2023</a:t>
+              <a:t>22/02/2023</a:t>
             </a:fld>
             <a:endParaRPr lang="en-GB"/>
           </a:p>
@@ -2349,7 +2356,7 @@
           <a:p>
             <a:fld id="{EB583B3D-4A1F-CA40-A4ED-D5AC717F5DE1}" type="datetimeFigureOut">
               <a:rPr lang="en-GB" smtClean="0"/>
-              <a:t>15/02/2023</a:t>
+              <a:t>22/02/2023</a:t>
             </a:fld>
             <a:endParaRPr lang="en-GB"/>
           </a:p>
@@ -2562,7 +2569,7 @@
           <a:p>
             <a:fld id="{EB583B3D-4A1F-CA40-A4ED-D5AC717F5DE1}" type="datetimeFigureOut">
               <a:rPr lang="en-GB" smtClean="0"/>
-              <a:t>15/02/2023</a:t>
+              <a:t>22/02/2023</a:t>
             </a:fld>
             <a:endParaRPr lang="en-GB"/>
           </a:p>
@@ -3037,8 +3044,8 @@
           </p:nvSpPr>
           <p:spPr>
             <a:xfrm>
-              <a:off x="3565382" y="5644501"/>
-              <a:ext cx="11073865" cy="1862048"/>
+              <a:off x="3218940" y="5644501"/>
+              <a:ext cx="11562781" cy="1862048"/>
             </a:xfrm>
             <a:prstGeom prst="rect">
               <a:avLst/>
@@ -3051,12 +3058,13 @@
             </a:bodyPr>
             <a:lstStyle/>
             <a:p>
+              <a:pPr algn="ctr"/>
               <a:r>
                 <a:rPr lang="en-GB" sz="11500" b="1" dirty="0">
                   <a:latin typeface="Jumble" panose="020F0502020204030204" pitchFamily="34" charset="0"/>
                   <a:cs typeface="Jumble" panose="020F0502020204030204" pitchFamily="34" charset="0"/>
                 </a:rPr>
-                <a:t>FLIP IT, TECH IT</a:t>
+                <a:t>FLIP IT, TECH IT,</a:t>
               </a:r>
             </a:p>
           </p:txBody>
@@ -3376,6 +3384,521 @@
 <file path=ppt/slides/slide2.xml><?xml version="1.0" encoding="utf-8"?>
 <p:sld xmlns:a="http://schemas.openxmlformats.org/drawingml/2006/main" xmlns:r="http://schemas.openxmlformats.org/officeDocument/2006/relationships" xmlns:p="http://schemas.openxmlformats.org/presentationml/2006/main">
   <p:cSld>
+    <p:spTree>
+      <p:nvGrpSpPr>
+        <p:cNvPr id="1" name=""/>
+        <p:cNvGrpSpPr/>
+        <p:nvPr/>
+      </p:nvGrpSpPr>
+      <p:grpSpPr>
+        <a:xfrm>
+          <a:off x="0" y="0"/>
+          <a:ext cx="0" cy="0"/>
+          <a:chOff x="0" y="0"/>
+          <a:chExt cx="0" cy="0"/>
+        </a:xfrm>
+      </p:grpSpPr>
+      <p:grpSp>
+        <p:nvGrpSpPr>
+          <p:cNvPr id="13" name="Group 12">
+            <a:extLst>
+              <a:ext uri="{FF2B5EF4-FFF2-40B4-BE49-F238E27FC236}">
+                <a16:creationId xmlns:a16="http://schemas.microsoft.com/office/drawing/2014/main" id="{4761441A-3327-5E76-02DA-81B920E8CDCF}"/>
+              </a:ext>
+            </a:extLst>
+          </p:cNvPr>
+          <p:cNvGrpSpPr/>
+          <p:nvPr/>
+        </p:nvGrpSpPr>
+        <p:grpSpPr>
+          <a:xfrm>
+            <a:off x="-251484" y="4601447"/>
+            <a:ext cx="18503630" cy="9415642"/>
+            <a:chOff x="-251484" y="4601447"/>
+            <a:chExt cx="18503630" cy="9415642"/>
+          </a:xfrm>
+        </p:grpSpPr>
+        <p:sp>
+          <p:nvSpPr>
+            <p:cNvPr id="4" name="TextBox 3">
+              <a:extLst>
+                <a:ext uri="{FF2B5EF4-FFF2-40B4-BE49-F238E27FC236}">
+                  <a16:creationId xmlns:a16="http://schemas.microsoft.com/office/drawing/2014/main" id="{95A609D9-82D1-62E1-51A7-D365728A5758}"/>
+                </a:ext>
+              </a:extLst>
+            </p:cNvPr>
+            <p:cNvSpPr txBox="1"/>
+            <p:nvPr/>
+          </p:nvSpPr>
+          <p:spPr>
+            <a:xfrm>
+              <a:off x="0" y="4601447"/>
+              <a:ext cx="18000662" cy="6907263"/>
+            </a:xfrm>
+            <a:prstGeom prst="rect">
+              <a:avLst/>
+            </a:prstGeom>
+            <a:noFill/>
+          </p:spPr>
+          <p:txBody>
+            <a:bodyPr wrap="none" rtlCol="0" anchor="t">
+              <a:prstTxWarp prst="textArchUp">
+                <a:avLst>
+                  <a:gd name="adj" fmla="val 10762656"/>
+                </a:avLst>
+              </a:prstTxWarp>
+              <a:spAutoFit/>
+            </a:bodyPr>
+            <a:lstStyle/>
+            <a:p>
+              <a:pPr algn="ctr"/>
+              <a:r>
+                <a:rPr lang="en-GB" sz="19900" dirty="0">
+                  <a:latin typeface="Jumble" panose="020F0502020204030204" pitchFamily="34" charset="0"/>
+                  <a:cs typeface="Jumble" panose="020F0502020204030204" pitchFamily="34" charset="0"/>
+                </a:rPr>
+                <a:t>FLIP IT</a:t>
+              </a:r>
+            </a:p>
+          </p:txBody>
+        </p:sp>
+        <p:grpSp>
+          <p:nvGrpSpPr>
+            <p:cNvPr id="7" name="Group 6">
+              <a:extLst>
+                <a:ext uri="{FF2B5EF4-FFF2-40B4-BE49-F238E27FC236}">
+                  <a16:creationId xmlns:a16="http://schemas.microsoft.com/office/drawing/2014/main" id="{04C33156-92B6-43B3-2E5A-A5D2B3ED88BC}"/>
+                </a:ext>
+              </a:extLst>
+            </p:cNvPr>
+            <p:cNvGrpSpPr/>
+            <p:nvPr/>
+          </p:nvGrpSpPr>
+          <p:grpSpPr>
+            <a:xfrm>
+              <a:off x="-251484" y="6491952"/>
+              <a:ext cx="18503630" cy="5016758"/>
+              <a:chOff x="-77921" y="6846959"/>
+              <a:chExt cx="18503630" cy="5016758"/>
+            </a:xfrm>
+          </p:grpSpPr>
+          <p:grpSp>
+            <p:nvGrpSpPr>
+              <p:cNvPr id="2" name="Group 1">
+                <a:extLst>
+                  <a:ext uri="{FF2B5EF4-FFF2-40B4-BE49-F238E27FC236}">
+                    <a16:creationId xmlns:a16="http://schemas.microsoft.com/office/drawing/2014/main" id="{C389A143-61C4-092D-ADAA-8A233ADC00A2}"/>
+                  </a:ext>
+                </a:extLst>
+              </p:cNvPr>
+              <p:cNvGrpSpPr/>
+              <p:nvPr/>
+            </p:nvGrpSpPr>
+            <p:grpSpPr>
+              <a:xfrm>
+                <a:off x="-77921" y="6846959"/>
+                <a:ext cx="18503630" cy="5016758"/>
+                <a:chOff x="-77921" y="6846959"/>
+                <a:chExt cx="18503630" cy="5016758"/>
+              </a:xfrm>
+            </p:grpSpPr>
+            <p:pic>
+              <p:nvPicPr>
+                <p:cNvPr id="8" name="Graphic 7">
+                  <a:extLst>
+                    <a:ext uri="{FF2B5EF4-FFF2-40B4-BE49-F238E27FC236}">
+                      <a16:creationId xmlns:a16="http://schemas.microsoft.com/office/drawing/2014/main" id="{EF00BEDB-AEE1-530E-76AE-FD85E0C8D03A}"/>
+                    </a:ext>
+                  </a:extLst>
+                </p:cNvPr>
+                <p:cNvPicPr>
+                  <a:picLocks/>
+                </p:cNvPicPr>
+                <p:nvPr/>
+              </p:nvPicPr>
+              <p:blipFill>
+                <a:blip r:embed="rId2">
+                  <a:extLst>
+                    <a:ext uri="{96DAC541-7B7A-43D3-8B79-37D633B846F1}">
+                      <asvg:svgBlip xmlns:asvg="http://schemas.microsoft.com/office/drawing/2016/SVG/main" r:embed="rId3"/>
+                    </a:ext>
+                  </a:extLst>
+                </a:blip>
+                <a:stretch>
+                  <a:fillRect/>
+                </a:stretch>
+              </p:blipFill>
+              <p:spPr>
+                <a:xfrm>
+                  <a:off x="4943896" y="7506549"/>
+                  <a:ext cx="2961426" cy="2768400"/>
+                </a:xfrm>
+                <a:prstGeom prst="rect">
+                  <a:avLst/>
+                </a:prstGeom>
+              </p:spPr>
+            </p:pic>
+            <p:sp>
+              <p:nvSpPr>
+                <p:cNvPr id="12" name="TextBox 11">
+                  <a:extLst>
+                    <a:ext uri="{FF2B5EF4-FFF2-40B4-BE49-F238E27FC236}">
+                      <a16:creationId xmlns:a16="http://schemas.microsoft.com/office/drawing/2014/main" id="{458B6DB4-2E53-3765-34FD-C0357114F0BA}"/>
+                    </a:ext>
+                  </a:extLst>
+                </p:cNvPr>
+                <p:cNvSpPr txBox="1"/>
+                <p:nvPr/>
+              </p:nvSpPr>
+              <p:spPr>
+                <a:xfrm>
+                  <a:off x="7823127" y="6846959"/>
+                  <a:ext cx="10602582" cy="5016758"/>
+                </a:xfrm>
+                <a:prstGeom prst="rect">
+                  <a:avLst/>
+                </a:prstGeom>
+                <a:noFill/>
+              </p:spPr>
+              <p:txBody>
+                <a:bodyPr wrap="none" rtlCol="0" anchor="ctr">
+                  <a:spAutoFit/>
+                </a:bodyPr>
+                <a:lstStyle/>
+                <a:p>
+                  <a:pPr algn="r"/>
+                  <a:r>
+                    <a:rPr lang="en-GB" sz="32000" b="1" dirty="0">
+                      <a:latin typeface="Jumble" panose="020F0502020204030204" pitchFamily="34" charset="0"/>
+                      <a:cs typeface="Jumble" panose="020F0502020204030204" pitchFamily="34" charset="0"/>
+                    </a:rPr>
+                    <a:t>CKET</a:t>
+                  </a:r>
+                </a:p>
+              </p:txBody>
+            </p:sp>
+            <p:sp>
+              <p:nvSpPr>
+                <p:cNvPr id="11" name="TextBox 10">
+                  <a:extLst>
+                    <a:ext uri="{FF2B5EF4-FFF2-40B4-BE49-F238E27FC236}">
+                      <a16:creationId xmlns:a16="http://schemas.microsoft.com/office/drawing/2014/main" id="{EC0AA23D-C172-5DB8-4CAB-724BD3792FF5}"/>
+                    </a:ext>
+                  </a:extLst>
+                </p:cNvPr>
+                <p:cNvSpPr txBox="1"/>
+                <p:nvPr/>
+              </p:nvSpPr>
+              <p:spPr>
+                <a:xfrm>
+                  <a:off x="-77921" y="6846959"/>
+                  <a:ext cx="5077031" cy="5016758"/>
+                </a:xfrm>
+                <a:prstGeom prst="rect">
+                  <a:avLst/>
+                </a:prstGeom>
+                <a:noFill/>
+              </p:spPr>
+              <p:txBody>
+                <a:bodyPr wrap="none" rtlCol="0" anchor="ctr">
+                  <a:spAutoFit/>
+                </a:bodyPr>
+                <a:lstStyle/>
+                <a:p>
+                  <a:pPr algn="ctr"/>
+                  <a:r>
+                    <a:rPr lang="en-GB" sz="32000" b="1" dirty="0">
+                      <a:latin typeface="Jumble" panose="020F0502020204030204" pitchFamily="34" charset="0"/>
+                      <a:cs typeface="Jumble" panose="020F0502020204030204" pitchFamily="34" charset="0"/>
+                    </a:rPr>
+                    <a:t>PL</a:t>
+                  </a:r>
+                </a:p>
+              </p:txBody>
+            </p:sp>
+          </p:grpSp>
+          <p:sp>
+            <p:nvSpPr>
+              <p:cNvPr id="17" name="Chord 16">
+                <a:extLst>
+                  <a:ext uri="{FF2B5EF4-FFF2-40B4-BE49-F238E27FC236}">
+                    <a16:creationId xmlns:a16="http://schemas.microsoft.com/office/drawing/2014/main" id="{31A19BC5-002A-2480-9340-74931D932F7F}"/>
+                  </a:ext>
+                </a:extLst>
+              </p:cNvPr>
+              <p:cNvSpPr/>
+              <p:nvPr/>
+            </p:nvSpPr>
+            <p:spPr>
+              <a:xfrm>
+                <a:off x="4893626" y="8493125"/>
+                <a:ext cx="211773" cy="987425"/>
+              </a:xfrm>
+              <a:prstGeom prst="chord">
+                <a:avLst>
+                  <a:gd name="adj1" fmla="val 5412902"/>
+                  <a:gd name="adj2" fmla="val 16174814"/>
+                </a:avLst>
+              </a:prstGeom>
+              <a:solidFill>
+                <a:schemeClr val="accent6"/>
+              </a:solidFill>
+              <a:ln>
+                <a:noFill/>
+              </a:ln>
+            </p:spPr>
+            <p:style>
+              <a:lnRef idx="2">
+                <a:schemeClr val="accent1">
+                  <a:shade val="50000"/>
+                </a:schemeClr>
+              </a:lnRef>
+              <a:fillRef idx="1">
+                <a:schemeClr val="accent1"/>
+              </a:fillRef>
+              <a:effectRef idx="0">
+                <a:schemeClr val="accent1"/>
+              </a:effectRef>
+              <a:fontRef idx="minor">
+                <a:schemeClr val="lt1"/>
+              </a:fontRef>
+            </p:style>
+            <p:txBody>
+              <a:bodyPr rtlCol="0" anchor="ctr"/>
+              <a:lstStyle/>
+              <a:p>
+                <a:pPr algn="ctr"/>
+                <a:endParaRPr lang="en-GB"/>
+              </a:p>
+            </p:txBody>
+          </p:sp>
+          <p:sp>
+            <p:nvSpPr>
+              <p:cNvPr id="18" name="Chord 17">
+                <a:extLst>
+                  <a:ext uri="{FF2B5EF4-FFF2-40B4-BE49-F238E27FC236}">
+                    <a16:creationId xmlns:a16="http://schemas.microsoft.com/office/drawing/2014/main" id="{3F5F65E5-3F60-0666-63C6-A5CE37726DD0}"/>
+                  </a:ext>
+                </a:extLst>
+              </p:cNvPr>
+              <p:cNvSpPr/>
+              <p:nvPr/>
+            </p:nvSpPr>
+            <p:spPr>
+              <a:xfrm rot="5400000">
+                <a:off x="6318722" y="7077007"/>
+                <a:ext cx="211773" cy="987425"/>
+              </a:xfrm>
+              <a:prstGeom prst="chord">
+                <a:avLst>
+                  <a:gd name="adj1" fmla="val 5412902"/>
+                  <a:gd name="adj2" fmla="val 16174814"/>
+                </a:avLst>
+              </a:prstGeom>
+              <a:solidFill>
+                <a:schemeClr val="accent6"/>
+              </a:solidFill>
+              <a:ln>
+                <a:noFill/>
+              </a:ln>
+            </p:spPr>
+            <p:style>
+              <a:lnRef idx="2">
+                <a:schemeClr val="accent1">
+                  <a:shade val="50000"/>
+                </a:schemeClr>
+              </a:lnRef>
+              <a:fillRef idx="1">
+                <a:schemeClr val="accent1"/>
+              </a:fillRef>
+              <a:effectRef idx="0">
+                <a:schemeClr val="accent1"/>
+              </a:effectRef>
+              <a:fontRef idx="minor">
+                <a:schemeClr val="lt1"/>
+              </a:fontRef>
+            </p:style>
+            <p:txBody>
+              <a:bodyPr rtlCol="0" anchor="ctr"/>
+              <a:lstStyle/>
+              <a:p>
+                <a:pPr algn="ctr"/>
+                <a:endParaRPr lang="en-GB"/>
+              </a:p>
+            </p:txBody>
+          </p:sp>
+          <p:sp>
+            <p:nvSpPr>
+              <p:cNvPr id="19" name="Chord 18">
+                <a:extLst>
+                  <a:ext uri="{FF2B5EF4-FFF2-40B4-BE49-F238E27FC236}">
+                    <a16:creationId xmlns:a16="http://schemas.microsoft.com/office/drawing/2014/main" id="{A505C9AD-C7A2-9FB6-D719-6444CC46B57F}"/>
+                  </a:ext>
+                </a:extLst>
+              </p:cNvPr>
+              <p:cNvSpPr/>
+              <p:nvPr/>
+            </p:nvSpPr>
+            <p:spPr>
+              <a:xfrm flipH="1">
+                <a:off x="7735107" y="8467724"/>
+                <a:ext cx="211773" cy="1012826"/>
+              </a:xfrm>
+              <a:prstGeom prst="chord">
+                <a:avLst>
+                  <a:gd name="adj1" fmla="val 3710093"/>
+                  <a:gd name="adj2" fmla="val 16703215"/>
+                </a:avLst>
+              </a:prstGeom>
+              <a:solidFill>
+                <a:schemeClr val="accent6"/>
+              </a:solidFill>
+              <a:ln>
+                <a:noFill/>
+              </a:ln>
+            </p:spPr>
+            <p:style>
+              <a:lnRef idx="2">
+                <a:schemeClr val="accent1">
+                  <a:shade val="50000"/>
+                </a:schemeClr>
+              </a:lnRef>
+              <a:fillRef idx="1">
+                <a:schemeClr val="accent1"/>
+              </a:fillRef>
+              <a:effectRef idx="0">
+                <a:schemeClr val="accent1"/>
+              </a:effectRef>
+              <a:fontRef idx="minor">
+                <a:schemeClr val="lt1"/>
+              </a:fontRef>
+            </p:style>
+            <p:txBody>
+              <a:bodyPr rtlCol="0" anchor="ctr"/>
+              <a:lstStyle/>
+              <a:p>
+                <a:pPr algn="ctr"/>
+                <a:endParaRPr lang="en-GB" dirty="0"/>
+              </a:p>
+            </p:txBody>
+          </p:sp>
+          <p:sp>
+            <p:nvSpPr>
+              <p:cNvPr id="20" name="Chord 19">
+                <a:extLst>
+                  <a:ext uri="{FF2B5EF4-FFF2-40B4-BE49-F238E27FC236}">
+                    <a16:creationId xmlns:a16="http://schemas.microsoft.com/office/drawing/2014/main" id="{7DCF04AA-6395-C712-07F4-BE96753FDAE4}"/>
+                  </a:ext>
+                </a:extLst>
+              </p:cNvPr>
+              <p:cNvSpPr/>
+              <p:nvPr/>
+            </p:nvSpPr>
+            <p:spPr>
+              <a:xfrm rot="16200000">
+                <a:off x="5580064" y="10040935"/>
+                <a:ext cx="244475" cy="317503"/>
+              </a:xfrm>
+              <a:prstGeom prst="chord">
+                <a:avLst>
+                  <a:gd name="adj1" fmla="val 506139"/>
+                  <a:gd name="adj2" fmla="val 16184913"/>
+                </a:avLst>
+              </a:prstGeom>
+              <a:solidFill>
+                <a:schemeClr val="accent6"/>
+              </a:solidFill>
+              <a:ln>
+                <a:noFill/>
+              </a:ln>
+            </p:spPr>
+            <p:style>
+              <a:lnRef idx="2">
+                <a:schemeClr val="accent1">
+                  <a:shade val="50000"/>
+                </a:schemeClr>
+              </a:lnRef>
+              <a:fillRef idx="1">
+                <a:schemeClr val="accent1"/>
+              </a:fillRef>
+              <a:effectRef idx="0">
+                <a:schemeClr val="accent1"/>
+              </a:effectRef>
+              <a:fontRef idx="minor">
+                <a:schemeClr val="lt1"/>
+              </a:fontRef>
+            </p:style>
+            <p:txBody>
+              <a:bodyPr rtlCol="0" anchor="ctr"/>
+              <a:lstStyle/>
+              <a:p>
+                <a:pPr algn="ctr"/>
+                <a:endParaRPr lang="en-GB"/>
+              </a:p>
+            </p:txBody>
+          </p:sp>
+        </p:grpSp>
+        <p:sp>
+          <p:nvSpPr>
+            <p:cNvPr id="10" name="TextBox 9">
+              <a:extLst>
+                <a:ext uri="{FF2B5EF4-FFF2-40B4-BE49-F238E27FC236}">
+                  <a16:creationId xmlns:a16="http://schemas.microsoft.com/office/drawing/2014/main" id="{D6BD1368-E4F6-1492-312F-AC382A332297}"/>
+                </a:ext>
+              </a:extLst>
+            </p:cNvPr>
+            <p:cNvSpPr txBox="1"/>
+            <p:nvPr/>
+          </p:nvSpPr>
+          <p:spPr>
+            <a:xfrm>
+              <a:off x="1" y="7109826"/>
+              <a:ext cx="18000662" cy="6907263"/>
+            </a:xfrm>
+            <a:prstGeom prst="rect">
+              <a:avLst/>
+            </a:prstGeom>
+            <a:noFill/>
+          </p:spPr>
+          <p:txBody>
+            <a:bodyPr wrap="none" rtlCol="0">
+              <a:prstTxWarp prst="textArchDown">
+                <a:avLst>
+                  <a:gd name="adj" fmla="val 2016989"/>
+                </a:avLst>
+              </a:prstTxWarp>
+              <a:spAutoFit/>
+            </a:bodyPr>
+            <a:lstStyle/>
+            <a:p>
+              <a:pPr algn="ctr"/>
+              <a:r>
+                <a:rPr lang="en-GB" sz="19900" dirty="0">
+                  <a:latin typeface="Jumble" panose="020F0502020204030204" pitchFamily="34" charset="0"/>
+                  <a:cs typeface="Jumble" panose="020F0502020204030204" pitchFamily="34" charset="0"/>
+                </a:rPr>
+                <a:t>TECH IT</a:t>
+              </a:r>
+            </a:p>
+          </p:txBody>
+        </p:sp>
+      </p:grpSp>
+    </p:spTree>
+    <p:extLst>
+      <p:ext uri="{BB962C8B-B14F-4D97-AF65-F5344CB8AC3E}">
+        <p14:creationId xmlns:p14="http://schemas.microsoft.com/office/powerpoint/2010/main" val="3846877934"/>
+      </p:ext>
+    </p:extLst>
+  </p:cSld>
+  <p:clrMapOvr>
+    <a:masterClrMapping/>
+  </p:clrMapOvr>
+</p:sld>
+</file>
+
+<file path=ppt/slides/slide3.xml><?xml version="1.0" encoding="utf-8"?>
+<p:sld xmlns:a="http://schemas.openxmlformats.org/drawingml/2006/main" xmlns:r="http://schemas.openxmlformats.org/officeDocument/2006/relationships" xmlns:p="http://schemas.openxmlformats.org/presentationml/2006/main">
+  <p:cSld>
     <p:bg>
       <p:bgPr>
         <a:solidFill>
@@ -3468,8 +3991,8 @@
           </p:nvSpPr>
           <p:spPr>
             <a:xfrm>
-              <a:off x="3565382" y="5644501"/>
-              <a:ext cx="11073865" cy="1862048"/>
+              <a:off x="3218940" y="5644501"/>
+              <a:ext cx="11562781" cy="1862048"/>
             </a:xfrm>
             <a:prstGeom prst="rect">
               <a:avLst/>
@@ -3482,6 +4005,7 @@
             </a:bodyPr>
             <a:lstStyle/>
             <a:p>
+              <a:pPr algn="ctr"/>
               <a:r>
                 <a:rPr lang="en-GB" sz="11500" b="1" dirty="0">
                   <a:solidFill>
@@ -3490,7 +4014,7 @@
                   <a:latin typeface="Jumble" panose="020F0502020204030204" pitchFamily="34" charset="0"/>
                   <a:cs typeface="Jumble" panose="020F0502020204030204" pitchFamily="34" charset="0"/>
                 </a:rPr>
-                <a:t>FLIP IT, TECH IT</a:t>
+                <a:t>FLIP IT, TECH IT,</a:t>
               </a:r>
             </a:p>
           </p:txBody>
@@ -3819,7 +4343,558 @@
     </p:spTree>
     <p:extLst>
       <p:ext uri="{BB962C8B-B14F-4D97-AF65-F5344CB8AC3E}">
-        <p14:creationId xmlns:p14="http://schemas.microsoft.com/office/powerpoint/2010/main" val="2344537496"/>
+        <p14:creationId xmlns:p14="http://schemas.microsoft.com/office/powerpoint/2010/main" val="2954049388"/>
+      </p:ext>
+    </p:extLst>
+  </p:cSld>
+  <p:clrMapOvr>
+    <a:masterClrMapping/>
+  </p:clrMapOvr>
+</p:sld>
+</file>
+
+<file path=ppt/slides/slide4.xml><?xml version="1.0" encoding="utf-8"?>
+<p:sld xmlns:a="http://schemas.openxmlformats.org/drawingml/2006/main" xmlns:r="http://schemas.openxmlformats.org/officeDocument/2006/relationships" xmlns:p="http://schemas.openxmlformats.org/presentationml/2006/main">
+  <p:cSld>
+    <p:bg>
+      <p:bgPr>
+        <a:solidFill>
+          <a:schemeClr val="tx1"/>
+        </a:solidFill>
+        <a:effectLst/>
+      </p:bgPr>
+    </p:bg>
+    <p:spTree>
+      <p:nvGrpSpPr>
+        <p:cNvPr id="1" name=""/>
+        <p:cNvGrpSpPr/>
+        <p:nvPr/>
+      </p:nvGrpSpPr>
+      <p:grpSpPr>
+        <a:xfrm>
+          <a:off x="0" y="0"/>
+          <a:ext cx="0" cy="0"/>
+          <a:chOff x="0" y="0"/>
+          <a:chExt cx="0" cy="0"/>
+        </a:xfrm>
+      </p:grpSpPr>
+      <p:grpSp>
+        <p:nvGrpSpPr>
+          <p:cNvPr id="13" name="Group 12">
+            <a:extLst>
+              <a:ext uri="{FF2B5EF4-FFF2-40B4-BE49-F238E27FC236}">
+                <a16:creationId xmlns:a16="http://schemas.microsoft.com/office/drawing/2014/main" id="{4761441A-3327-5E76-02DA-81B920E8CDCF}"/>
+              </a:ext>
+            </a:extLst>
+          </p:cNvPr>
+          <p:cNvGrpSpPr/>
+          <p:nvPr/>
+        </p:nvGrpSpPr>
+        <p:grpSpPr>
+          <a:xfrm>
+            <a:off x="-251484" y="4601447"/>
+            <a:ext cx="18503630" cy="9415642"/>
+            <a:chOff x="-251484" y="4601447"/>
+            <a:chExt cx="18503630" cy="9415642"/>
+          </a:xfrm>
+        </p:grpSpPr>
+        <p:sp>
+          <p:nvSpPr>
+            <p:cNvPr id="4" name="TextBox 3">
+              <a:extLst>
+                <a:ext uri="{FF2B5EF4-FFF2-40B4-BE49-F238E27FC236}">
+                  <a16:creationId xmlns:a16="http://schemas.microsoft.com/office/drawing/2014/main" id="{95A609D9-82D1-62E1-51A7-D365728A5758}"/>
+                </a:ext>
+              </a:extLst>
+            </p:cNvPr>
+            <p:cNvSpPr txBox="1"/>
+            <p:nvPr/>
+          </p:nvSpPr>
+          <p:spPr>
+            <a:xfrm>
+              <a:off x="0" y="4601447"/>
+              <a:ext cx="18000662" cy="6907263"/>
+            </a:xfrm>
+            <a:prstGeom prst="rect">
+              <a:avLst/>
+            </a:prstGeom>
+            <a:noFill/>
+          </p:spPr>
+          <p:txBody>
+            <a:bodyPr wrap="none" rtlCol="0" anchor="t">
+              <a:prstTxWarp prst="textArchUp">
+                <a:avLst>
+                  <a:gd name="adj" fmla="val 10762656"/>
+                </a:avLst>
+              </a:prstTxWarp>
+              <a:spAutoFit/>
+            </a:bodyPr>
+            <a:lstStyle/>
+            <a:p>
+              <a:pPr algn="ctr"/>
+              <a:r>
+                <a:rPr lang="en-GB" sz="19900" dirty="0">
+                  <a:solidFill>
+                    <a:schemeClr val="bg1"/>
+                  </a:solidFill>
+                  <a:latin typeface="Jumble" panose="020F0502020204030204" pitchFamily="34" charset="0"/>
+                  <a:cs typeface="Jumble" panose="020F0502020204030204" pitchFamily="34" charset="0"/>
+                </a:rPr>
+                <a:t>FLIP IT</a:t>
+              </a:r>
+            </a:p>
+          </p:txBody>
+        </p:sp>
+        <p:grpSp>
+          <p:nvGrpSpPr>
+            <p:cNvPr id="7" name="Group 6">
+              <a:extLst>
+                <a:ext uri="{FF2B5EF4-FFF2-40B4-BE49-F238E27FC236}">
+                  <a16:creationId xmlns:a16="http://schemas.microsoft.com/office/drawing/2014/main" id="{04C33156-92B6-43B3-2E5A-A5D2B3ED88BC}"/>
+                </a:ext>
+              </a:extLst>
+            </p:cNvPr>
+            <p:cNvGrpSpPr/>
+            <p:nvPr/>
+          </p:nvGrpSpPr>
+          <p:grpSpPr>
+            <a:xfrm>
+              <a:off x="-251484" y="6491952"/>
+              <a:ext cx="18503630" cy="5016758"/>
+              <a:chOff x="-77921" y="6846959"/>
+              <a:chExt cx="18503630" cy="5016758"/>
+            </a:xfrm>
+          </p:grpSpPr>
+          <p:grpSp>
+            <p:nvGrpSpPr>
+              <p:cNvPr id="2" name="Group 1">
+                <a:extLst>
+                  <a:ext uri="{FF2B5EF4-FFF2-40B4-BE49-F238E27FC236}">
+                    <a16:creationId xmlns:a16="http://schemas.microsoft.com/office/drawing/2014/main" id="{C389A143-61C4-092D-ADAA-8A233ADC00A2}"/>
+                  </a:ext>
+                </a:extLst>
+              </p:cNvPr>
+              <p:cNvGrpSpPr/>
+              <p:nvPr/>
+            </p:nvGrpSpPr>
+            <p:grpSpPr>
+              <a:xfrm>
+                <a:off x="-77921" y="6846959"/>
+                <a:ext cx="18503630" cy="5016758"/>
+                <a:chOff x="-77921" y="6846959"/>
+                <a:chExt cx="18503630" cy="5016758"/>
+              </a:xfrm>
+            </p:grpSpPr>
+            <p:pic>
+              <p:nvPicPr>
+                <p:cNvPr id="8" name="Graphic 7">
+                  <a:extLst>
+                    <a:ext uri="{FF2B5EF4-FFF2-40B4-BE49-F238E27FC236}">
+                      <a16:creationId xmlns:a16="http://schemas.microsoft.com/office/drawing/2014/main" id="{EF00BEDB-AEE1-530E-76AE-FD85E0C8D03A}"/>
+                    </a:ext>
+                  </a:extLst>
+                </p:cNvPr>
+                <p:cNvPicPr>
+                  <a:picLocks/>
+                </p:cNvPicPr>
+                <p:nvPr/>
+              </p:nvPicPr>
+              <p:blipFill>
+                <a:blip r:embed="rId2">
+                  <a:extLst>
+                    <a:ext uri="{96DAC541-7B7A-43D3-8B79-37D633B846F1}">
+                      <asvg:svgBlip xmlns:asvg="http://schemas.microsoft.com/office/drawing/2016/SVG/main" r:embed="rId3"/>
+                    </a:ext>
+                  </a:extLst>
+                </a:blip>
+                <a:stretch>
+                  <a:fillRect/>
+                </a:stretch>
+              </p:blipFill>
+              <p:spPr>
+                <a:xfrm>
+                  <a:off x="4943896" y="7506549"/>
+                  <a:ext cx="2961426" cy="2768400"/>
+                </a:xfrm>
+                <a:prstGeom prst="rect">
+                  <a:avLst/>
+                </a:prstGeom>
+              </p:spPr>
+            </p:pic>
+            <p:sp>
+              <p:nvSpPr>
+                <p:cNvPr id="12" name="TextBox 11">
+                  <a:extLst>
+                    <a:ext uri="{FF2B5EF4-FFF2-40B4-BE49-F238E27FC236}">
+                      <a16:creationId xmlns:a16="http://schemas.microsoft.com/office/drawing/2014/main" id="{458B6DB4-2E53-3765-34FD-C0357114F0BA}"/>
+                    </a:ext>
+                  </a:extLst>
+                </p:cNvPr>
+                <p:cNvSpPr txBox="1"/>
+                <p:nvPr/>
+              </p:nvSpPr>
+              <p:spPr>
+                <a:xfrm>
+                  <a:off x="7823127" y="6846959"/>
+                  <a:ext cx="10602582" cy="5016758"/>
+                </a:xfrm>
+                <a:prstGeom prst="rect">
+                  <a:avLst/>
+                </a:prstGeom>
+                <a:noFill/>
+              </p:spPr>
+              <p:txBody>
+                <a:bodyPr wrap="none" rtlCol="0" anchor="ctr">
+                  <a:spAutoFit/>
+                </a:bodyPr>
+                <a:lstStyle/>
+                <a:p>
+                  <a:pPr algn="r"/>
+                  <a:r>
+                    <a:rPr lang="en-GB" sz="32000" b="1" dirty="0">
+                      <a:solidFill>
+                        <a:schemeClr val="bg1"/>
+                      </a:solidFill>
+                      <a:latin typeface="Jumble" panose="020F0502020204030204" pitchFamily="34" charset="0"/>
+                      <a:cs typeface="Jumble" panose="020F0502020204030204" pitchFamily="34" charset="0"/>
+                    </a:rPr>
+                    <a:t>CKET</a:t>
+                  </a:r>
+                </a:p>
+              </p:txBody>
+            </p:sp>
+            <p:sp>
+              <p:nvSpPr>
+                <p:cNvPr id="11" name="TextBox 10">
+                  <a:extLst>
+                    <a:ext uri="{FF2B5EF4-FFF2-40B4-BE49-F238E27FC236}">
+                      <a16:creationId xmlns:a16="http://schemas.microsoft.com/office/drawing/2014/main" id="{EC0AA23D-C172-5DB8-4CAB-724BD3792FF5}"/>
+                    </a:ext>
+                  </a:extLst>
+                </p:cNvPr>
+                <p:cNvSpPr txBox="1"/>
+                <p:nvPr/>
+              </p:nvSpPr>
+              <p:spPr>
+                <a:xfrm>
+                  <a:off x="-77921" y="6846959"/>
+                  <a:ext cx="5077031" cy="5016758"/>
+                </a:xfrm>
+                <a:prstGeom prst="rect">
+                  <a:avLst/>
+                </a:prstGeom>
+                <a:noFill/>
+              </p:spPr>
+              <p:txBody>
+                <a:bodyPr wrap="none" rtlCol="0" anchor="ctr">
+                  <a:spAutoFit/>
+                </a:bodyPr>
+                <a:lstStyle/>
+                <a:p>
+                  <a:pPr algn="ctr"/>
+                  <a:r>
+                    <a:rPr lang="en-GB" sz="32000" b="1" dirty="0">
+                      <a:solidFill>
+                        <a:schemeClr val="bg1"/>
+                      </a:solidFill>
+                      <a:latin typeface="Jumble" panose="020F0502020204030204" pitchFamily="34" charset="0"/>
+                      <a:cs typeface="Jumble" panose="020F0502020204030204" pitchFamily="34" charset="0"/>
+                    </a:rPr>
+                    <a:t>PL</a:t>
+                  </a:r>
+                </a:p>
+              </p:txBody>
+            </p:sp>
+          </p:grpSp>
+          <p:sp>
+            <p:nvSpPr>
+              <p:cNvPr id="17" name="Chord 16">
+                <a:extLst>
+                  <a:ext uri="{FF2B5EF4-FFF2-40B4-BE49-F238E27FC236}">
+                    <a16:creationId xmlns:a16="http://schemas.microsoft.com/office/drawing/2014/main" id="{31A19BC5-002A-2480-9340-74931D932F7F}"/>
+                  </a:ext>
+                </a:extLst>
+              </p:cNvPr>
+              <p:cNvSpPr/>
+              <p:nvPr/>
+            </p:nvSpPr>
+            <p:spPr>
+              <a:xfrm>
+                <a:off x="4893626" y="8493125"/>
+                <a:ext cx="211773" cy="987425"/>
+              </a:xfrm>
+              <a:prstGeom prst="chord">
+                <a:avLst>
+                  <a:gd name="adj1" fmla="val 5412902"/>
+                  <a:gd name="adj2" fmla="val 16174814"/>
+                </a:avLst>
+              </a:prstGeom>
+              <a:solidFill>
+                <a:schemeClr val="accent6"/>
+              </a:solidFill>
+              <a:ln>
+                <a:noFill/>
+              </a:ln>
+            </p:spPr>
+            <p:style>
+              <a:lnRef idx="2">
+                <a:schemeClr val="accent1">
+                  <a:shade val="50000"/>
+                </a:schemeClr>
+              </a:lnRef>
+              <a:fillRef idx="1">
+                <a:schemeClr val="accent1"/>
+              </a:fillRef>
+              <a:effectRef idx="0">
+                <a:schemeClr val="accent1"/>
+              </a:effectRef>
+              <a:fontRef idx="minor">
+                <a:schemeClr val="lt1"/>
+              </a:fontRef>
+            </p:style>
+            <p:txBody>
+              <a:bodyPr rtlCol="0" anchor="ctr"/>
+              <a:lstStyle/>
+              <a:p>
+                <a:pPr algn="ctr"/>
+                <a:endParaRPr lang="en-GB">
+                  <a:solidFill>
+                    <a:schemeClr val="bg1"/>
+                  </a:solidFill>
+                </a:endParaRPr>
+              </a:p>
+            </p:txBody>
+          </p:sp>
+          <p:sp>
+            <p:nvSpPr>
+              <p:cNvPr id="18" name="Chord 17">
+                <a:extLst>
+                  <a:ext uri="{FF2B5EF4-FFF2-40B4-BE49-F238E27FC236}">
+                    <a16:creationId xmlns:a16="http://schemas.microsoft.com/office/drawing/2014/main" id="{3F5F65E5-3F60-0666-63C6-A5CE37726DD0}"/>
+                  </a:ext>
+                </a:extLst>
+              </p:cNvPr>
+              <p:cNvSpPr/>
+              <p:nvPr/>
+            </p:nvSpPr>
+            <p:spPr>
+              <a:xfrm rot="5400000">
+                <a:off x="6318722" y="7077007"/>
+                <a:ext cx="211773" cy="987425"/>
+              </a:xfrm>
+              <a:prstGeom prst="chord">
+                <a:avLst>
+                  <a:gd name="adj1" fmla="val 5412902"/>
+                  <a:gd name="adj2" fmla="val 16174814"/>
+                </a:avLst>
+              </a:prstGeom>
+              <a:solidFill>
+                <a:schemeClr val="accent6"/>
+              </a:solidFill>
+              <a:ln>
+                <a:noFill/>
+              </a:ln>
+            </p:spPr>
+            <p:style>
+              <a:lnRef idx="2">
+                <a:schemeClr val="accent1">
+                  <a:shade val="50000"/>
+                </a:schemeClr>
+              </a:lnRef>
+              <a:fillRef idx="1">
+                <a:schemeClr val="accent1"/>
+              </a:fillRef>
+              <a:effectRef idx="0">
+                <a:schemeClr val="accent1"/>
+              </a:effectRef>
+              <a:fontRef idx="minor">
+                <a:schemeClr val="lt1"/>
+              </a:fontRef>
+            </p:style>
+            <p:txBody>
+              <a:bodyPr rtlCol="0" anchor="ctr"/>
+              <a:lstStyle/>
+              <a:p>
+                <a:pPr algn="ctr"/>
+                <a:endParaRPr lang="en-GB">
+                  <a:solidFill>
+                    <a:schemeClr val="bg1"/>
+                  </a:solidFill>
+                </a:endParaRPr>
+              </a:p>
+            </p:txBody>
+          </p:sp>
+          <p:sp>
+            <p:nvSpPr>
+              <p:cNvPr id="19" name="Chord 18">
+                <a:extLst>
+                  <a:ext uri="{FF2B5EF4-FFF2-40B4-BE49-F238E27FC236}">
+                    <a16:creationId xmlns:a16="http://schemas.microsoft.com/office/drawing/2014/main" id="{A505C9AD-C7A2-9FB6-D719-6444CC46B57F}"/>
+                  </a:ext>
+                </a:extLst>
+              </p:cNvPr>
+              <p:cNvSpPr/>
+              <p:nvPr/>
+            </p:nvSpPr>
+            <p:spPr>
+              <a:xfrm flipH="1">
+                <a:off x="7735107" y="8467724"/>
+                <a:ext cx="211773" cy="1012826"/>
+              </a:xfrm>
+              <a:prstGeom prst="chord">
+                <a:avLst>
+                  <a:gd name="adj1" fmla="val 3710093"/>
+                  <a:gd name="adj2" fmla="val 16703215"/>
+                </a:avLst>
+              </a:prstGeom>
+              <a:solidFill>
+                <a:schemeClr val="accent6"/>
+              </a:solidFill>
+              <a:ln>
+                <a:noFill/>
+              </a:ln>
+            </p:spPr>
+            <p:style>
+              <a:lnRef idx="2">
+                <a:schemeClr val="accent1">
+                  <a:shade val="50000"/>
+                </a:schemeClr>
+              </a:lnRef>
+              <a:fillRef idx="1">
+                <a:schemeClr val="accent1"/>
+              </a:fillRef>
+              <a:effectRef idx="0">
+                <a:schemeClr val="accent1"/>
+              </a:effectRef>
+              <a:fontRef idx="minor">
+                <a:schemeClr val="lt1"/>
+              </a:fontRef>
+            </p:style>
+            <p:txBody>
+              <a:bodyPr rtlCol="0" anchor="ctr"/>
+              <a:lstStyle/>
+              <a:p>
+                <a:pPr algn="ctr"/>
+                <a:endParaRPr lang="en-GB" dirty="0">
+                  <a:solidFill>
+                    <a:schemeClr val="bg1"/>
+                  </a:solidFill>
+                </a:endParaRPr>
+              </a:p>
+            </p:txBody>
+          </p:sp>
+          <p:sp>
+            <p:nvSpPr>
+              <p:cNvPr id="20" name="Chord 19">
+                <a:extLst>
+                  <a:ext uri="{FF2B5EF4-FFF2-40B4-BE49-F238E27FC236}">
+                    <a16:creationId xmlns:a16="http://schemas.microsoft.com/office/drawing/2014/main" id="{7DCF04AA-6395-C712-07F4-BE96753FDAE4}"/>
+                  </a:ext>
+                </a:extLst>
+              </p:cNvPr>
+              <p:cNvSpPr/>
+              <p:nvPr/>
+            </p:nvSpPr>
+            <p:spPr>
+              <a:xfrm rot="16200000">
+                <a:off x="5580064" y="10040935"/>
+                <a:ext cx="244475" cy="317503"/>
+              </a:xfrm>
+              <a:prstGeom prst="chord">
+                <a:avLst>
+                  <a:gd name="adj1" fmla="val 506139"/>
+                  <a:gd name="adj2" fmla="val 16184913"/>
+                </a:avLst>
+              </a:prstGeom>
+              <a:solidFill>
+                <a:schemeClr val="accent6"/>
+              </a:solidFill>
+              <a:ln>
+                <a:noFill/>
+              </a:ln>
+            </p:spPr>
+            <p:style>
+              <a:lnRef idx="2">
+                <a:schemeClr val="accent1">
+                  <a:shade val="50000"/>
+                </a:schemeClr>
+              </a:lnRef>
+              <a:fillRef idx="1">
+                <a:schemeClr val="accent1"/>
+              </a:fillRef>
+              <a:effectRef idx="0">
+                <a:schemeClr val="accent1"/>
+              </a:effectRef>
+              <a:fontRef idx="minor">
+                <a:schemeClr val="lt1"/>
+              </a:fontRef>
+            </p:style>
+            <p:txBody>
+              <a:bodyPr rtlCol="0" anchor="ctr"/>
+              <a:lstStyle/>
+              <a:p>
+                <a:pPr algn="ctr"/>
+                <a:endParaRPr lang="en-GB">
+                  <a:solidFill>
+                    <a:schemeClr val="bg1"/>
+                  </a:solidFill>
+                </a:endParaRPr>
+              </a:p>
+            </p:txBody>
+          </p:sp>
+        </p:grpSp>
+        <p:sp>
+          <p:nvSpPr>
+            <p:cNvPr id="10" name="TextBox 9">
+              <a:extLst>
+                <a:ext uri="{FF2B5EF4-FFF2-40B4-BE49-F238E27FC236}">
+                  <a16:creationId xmlns:a16="http://schemas.microsoft.com/office/drawing/2014/main" id="{D6BD1368-E4F6-1492-312F-AC382A332297}"/>
+                </a:ext>
+              </a:extLst>
+            </p:cNvPr>
+            <p:cNvSpPr txBox="1"/>
+            <p:nvPr/>
+          </p:nvSpPr>
+          <p:spPr>
+            <a:xfrm>
+              <a:off x="1" y="7109826"/>
+              <a:ext cx="18000662" cy="6907263"/>
+            </a:xfrm>
+            <a:prstGeom prst="rect">
+              <a:avLst/>
+            </a:prstGeom>
+            <a:noFill/>
+          </p:spPr>
+          <p:txBody>
+            <a:bodyPr wrap="none" rtlCol="0">
+              <a:prstTxWarp prst="textArchDown">
+                <a:avLst>
+                  <a:gd name="adj" fmla="val 2016989"/>
+                </a:avLst>
+              </a:prstTxWarp>
+              <a:spAutoFit/>
+            </a:bodyPr>
+            <a:lstStyle/>
+            <a:p>
+              <a:pPr algn="ctr"/>
+              <a:r>
+                <a:rPr lang="en-GB" sz="19900" dirty="0">
+                  <a:solidFill>
+                    <a:schemeClr val="bg1"/>
+                  </a:solidFill>
+                  <a:latin typeface="Jumble" panose="020F0502020204030204" pitchFamily="34" charset="0"/>
+                  <a:cs typeface="Jumble" panose="020F0502020204030204" pitchFamily="34" charset="0"/>
+                </a:rPr>
+                <a:t>TECH IT</a:t>
+              </a:r>
+            </a:p>
+          </p:txBody>
+        </p:sp>
+      </p:grpSp>
+    </p:spTree>
+    <p:extLst>
+      <p:ext uri="{BB962C8B-B14F-4D97-AF65-F5344CB8AC3E}">
+        <p14:creationId xmlns:p14="http://schemas.microsoft.com/office/powerpoint/2010/main" val="2783197636"/>
       </p:ext>
     </p:extLst>
   </p:cSld>
